--- a/ppt/나는 별의 도화선.pptx
+++ b/ppt/나는 별의 도화선.pptx
@@ -1,6 +1,6 @@
 
 <file path=ppt/presentation.xml><?xml version="1.0" encoding="utf-8"?>
-<p:presentation xmlns:a="http://schemas.openxmlformats.org/drawingml/2006/main" xmlns:r="http://schemas.openxmlformats.org/officeDocument/2006/relationships" xmlns:p="http://schemas.openxmlformats.org/presentationml/2006/main" saveSubsetFonts="1">
+<p:presentation xmlns:a="http://schemas.openxmlformats.org/drawingml/2006/main" xmlns:r="http://schemas.openxmlformats.org/officeDocument/2006/relationships" xmlns:p="http://schemas.openxmlformats.org/presentationml/2006/main" serverZoom="50397" saveSubsetFonts="1">
   <p:sldMasterIdLst>
     <p:sldMasterId id="2147483648" r:id="rId1"/>
   </p:sldMasterIdLst>
@@ -132,6 +132,9 @@
         </p15:guide>
       </p15:sldGuideLst>
     </p:ext>
+    <p:ext uri="{2D200454-40CA-4A62-9FC3-DE9A4176ACB9}">
+      <p15:notesGuideLst xmlns:p15="http://schemas.microsoft.com/office/powerpoint/2012/main"/>
+    </p:ext>
   </p:extLst>
 </p:presentation>
 </file>
@@ -218,7 +221,7 @@
           <a:p>
             <a:fld id="{DDD7F694-5DAE-4FDF-95FC-B9F8E29B9ACE}" type="datetimeFigureOut">
               <a:rPr lang="ko-KR" altLang="en-US" smtClean="0"/>
-              <a:t>2022-01-14</a:t>
+              <a:t>2022-01-20</a:t>
             </a:fld>
             <a:endParaRPr lang="ko-KR" altLang="en-US"/>
           </a:p>
